--- a/面試資料/履歷自傳.pptx
+++ b/面試資料/履歷自傳.pptx
@@ -3890,7 +3890,7 @@
           </a:bodyPr>
           <a:lstStyle/>
           <a:p>
-            <a:pPr algn="l">
+            <a:pPr algn="just">
               <a:lnSpc>
                 <a:spcPts val="2363"/>
               </a:lnSpc>
@@ -3931,7 +3931,7 @@
             </a:endParaRPr>
           </a:p>
           <a:p>
-            <a:pPr algn="l">
+            <a:pPr algn="just">
               <a:lnSpc>
                 <a:spcPts val="2200"/>
               </a:lnSpc>
@@ -4328,7 +4328,7 @@
             </a:endParaRPr>
           </a:p>
           <a:p>
-            <a:pPr algn="l">
+            <a:pPr algn="just">
               <a:lnSpc>
                 <a:spcPts val="2000"/>
               </a:lnSpc>
@@ -4386,7 +4386,7 @@
             </a:r>
           </a:p>
           <a:p>
-            <a:pPr algn="l">
+            <a:pPr algn="just">
               <a:lnSpc>
                 <a:spcPts val="2000"/>
               </a:lnSpc>
@@ -4547,7 +4547,7 @@
                 <a:latin typeface="微軟正黑體" panose="020B0604030504040204" pitchFamily="34" charset="-120"/>
                 <a:ea typeface="微軟正黑體" panose="020B0604030504040204" pitchFamily="34" charset="-120"/>
               </a:rPr>
-              <a:t>包括程式語言基礎至後端框架，以及期末專題團隊合作。</a:t>
+              <a:t>包括程式語言基礎至後端框架，以及期末專題團隊合作</a:t>
             </a:r>
             <a:endParaRPr lang="en-US" altLang="zh-TW" sz="1600" b="1" dirty="0">
               <a:solidFill>
@@ -5189,7 +5189,7 @@
         <p:spPr>
           <a:xfrm>
             <a:off x="635059" y="7668766"/>
-            <a:ext cx="6491165" cy="2365858"/>
+            <a:ext cx="6491165" cy="2135025"/>
           </a:xfrm>
           <a:prstGeom prst="rect">
             <a:avLst/>
@@ -5205,7 +5205,7 @@
           </a:bodyPr>
           <a:lstStyle/>
           <a:p>
-            <a:pPr>
+            <a:pPr algn="just">
               <a:lnSpc>
                 <a:spcPts val="2400"/>
               </a:lnSpc>
@@ -5217,13 +5217,13 @@
               </a:rPr>
               <a:t>其他經歷</a:t>
             </a:r>
-            <a:endParaRPr lang="en-US" altLang="zh-TW" sz="2000" b="1" dirty="0">
+            <a:endParaRPr lang="en-US" altLang="zh-TW" sz="1600" b="1" dirty="0">
               <a:latin typeface="微軟正黑體" panose="020B0604030504040204" pitchFamily="34" charset="-120"/>
               <a:ea typeface="微軟正黑體" panose="020B0604030504040204" pitchFamily="34" charset="-120"/>
             </a:endParaRPr>
           </a:p>
           <a:p>
-            <a:pPr>
+            <a:pPr algn="just">
               <a:lnSpc>
                 <a:spcPts val="2400"/>
               </a:lnSpc>
@@ -5232,52 +5232,264 @@
               </a:spcBef>
             </a:pPr>
             <a:r>
+              <a:rPr lang="en-US" altLang="zh-TW" sz="1600" b="1" dirty="0">
+                <a:latin typeface="微軟正黑體" panose="020B0604030504040204" pitchFamily="34" charset="-120"/>
+                <a:ea typeface="微軟正黑體" panose="020B0604030504040204" pitchFamily="34" charset="-120"/>
+              </a:rPr>
+              <a:t>MIT AI2</a:t>
+            </a:r>
+            <a:r>
+              <a:rPr lang="zh-TW" altLang="en-US" sz="1600" b="1" dirty="0">
+                <a:latin typeface="微軟正黑體" panose="020B0604030504040204" pitchFamily="34" charset="-120"/>
+                <a:ea typeface="微軟正黑體" panose="020B0604030504040204" pitchFamily="34" charset="-120"/>
+              </a:rPr>
+              <a:t>雲端行動應用程式開發通識課助教（</a:t>
+            </a:r>
+            <a:r>
+              <a:rPr lang="en-US" altLang="zh-TW" sz="1600" b="1" dirty="0">
+                <a:latin typeface="微軟正黑體" panose="020B0604030504040204" pitchFamily="34" charset="-120"/>
+                <a:ea typeface="微軟正黑體" panose="020B0604030504040204" pitchFamily="34" charset="-120"/>
+              </a:rPr>
+              <a:t>2022/2</a:t>
+            </a:r>
+            <a:r>
+              <a:rPr lang="zh-TW" altLang="en-US" sz="1600" b="1" dirty="0">
+                <a:latin typeface="微軟正黑體" panose="020B0604030504040204" pitchFamily="34" charset="-120"/>
+                <a:ea typeface="微軟正黑體" panose="020B0604030504040204" pitchFamily="34" charset="-120"/>
+              </a:rPr>
+              <a:t>～</a:t>
+            </a:r>
+            <a:r>
+              <a:rPr lang="en-US" altLang="zh-TW" sz="1600" b="1" dirty="0">
+                <a:latin typeface="微軟正黑體" panose="020B0604030504040204" pitchFamily="34" charset="-120"/>
+                <a:ea typeface="微軟正黑體" panose="020B0604030504040204" pitchFamily="34" charset="-120"/>
+              </a:rPr>
+              <a:t>2022/6</a:t>
+            </a:r>
+            <a:r>
+              <a:rPr lang="zh-TW" altLang="en-US" sz="1600" b="1" dirty="0">
+                <a:latin typeface="微軟正黑體" panose="020B0604030504040204" pitchFamily="34" charset="-120"/>
+                <a:ea typeface="微軟正黑體" panose="020B0604030504040204" pitchFamily="34" charset="-120"/>
+              </a:rPr>
+              <a:t>）</a:t>
+            </a:r>
+            <a:endParaRPr lang="en-US" altLang="zh-TW" sz="1600" b="1" dirty="0">
+              <a:latin typeface="微軟正黑體" panose="020B0604030504040204" pitchFamily="34" charset="-120"/>
+              <a:ea typeface="微軟正黑體" panose="020B0604030504040204" pitchFamily="34" charset="-120"/>
+            </a:endParaRPr>
+          </a:p>
+          <a:p>
+            <a:pPr marL="171450" indent="-171450" algn="just">
+              <a:lnSpc>
+                <a:spcPts val="2400"/>
+              </a:lnSpc>
+              <a:buFont typeface="Arial" panose="020B0604020202020204" pitchFamily="34" charset="0"/>
+              <a:buChar char="•"/>
+            </a:pPr>
+            <a:r>
               <a:rPr lang="zh-TW" altLang="en-US" sz="1200" b="1" dirty="0">
-                <a:solidFill>
-                  <a:schemeClr val="tx1">
-                    <a:lumMod val="65000"/>
-                    <a:lumOff val="35000"/>
-                  </a:schemeClr>
-                </a:solidFill>
-                <a:latin typeface="微軟正黑體" panose="020B0604030504040204" pitchFamily="34" charset="-120"/>
-                <a:ea typeface="微軟正黑體" panose="020B0604030504040204" pitchFamily="34" charset="-120"/>
-              </a:rPr>
-              <a:t>由於對程式設計強烈的興趣，不僅獲得優異修課成績，之後還自學</a:t>
+                <a:latin typeface="微軟正黑體" panose="020B0604030504040204" pitchFamily="34" charset="-120"/>
+                <a:ea typeface="微軟正黑體" panose="020B0604030504040204" pitchFamily="34" charset="-120"/>
+              </a:rPr>
+              <a:t>指導程式新手學習</a:t>
             </a:r>
             <a:r>
               <a:rPr lang="en-US" altLang="zh-TW" sz="1200" b="1" dirty="0">
-                <a:solidFill>
-                  <a:schemeClr val="tx1">
-                    <a:lumMod val="65000"/>
-                    <a:lumOff val="35000"/>
-                  </a:schemeClr>
-                </a:solidFill>
+                <a:latin typeface="微軟正黑體" panose="020B0604030504040204" pitchFamily="34" charset="-120"/>
+                <a:ea typeface="微軟正黑體" panose="020B0604030504040204" pitchFamily="34" charset="-120"/>
+              </a:rPr>
+              <a:t>Low Code</a:t>
+            </a:r>
+            <a:r>
+              <a:rPr lang="zh-TW" altLang="en-US" sz="1200" b="1" dirty="0">
+                <a:latin typeface="微軟正黑體" panose="020B0604030504040204" pitchFamily="34" charset="-120"/>
+                <a:ea typeface="微軟正黑體" panose="020B0604030504040204" pitchFamily="34" charset="-120"/>
+              </a:rPr>
+              <a:t>與</a:t>
+            </a:r>
+            <a:r>
+              <a:rPr lang="en-US" altLang="zh-TW" sz="1200" b="1" dirty="0">
+                <a:latin typeface="微軟正黑體" panose="020B0604030504040204" pitchFamily="34" charset="-120"/>
+                <a:ea typeface="微軟正黑體" panose="020B0604030504040204" pitchFamily="34" charset="-120"/>
+              </a:rPr>
+              <a:t>No Code</a:t>
+            </a:r>
+            <a:r>
+              <a:rPr lang="zh-TW" altLang="en-US" sz="1200" b="1" dirty="0">
+                <a:latin typeface="微軟正黑體" panose="020B0604030504040204" pitchFamily="34" charset="-120"/>
+                <a:ea typeface="微軟正黑體" panose="020B0604030504040204" pitchFamily="34" charset="-120"/>
+              </a:rPr>
+              <a:t>，幫助修課學生除錯，協助老師改良課程內容安排</a:t>
+            </a:r>
+            <a:endParaRPr lang="en-US" altLang="zh-TW" sz="1200" b="1" dirty="0">
+              <a:latin typeface="微軟正黑體" panose="020B0604030504040204" pitchFamily="34" charset="-120"/>
+              <a:ea typeface="微軟正黑體" panose="020B0604030504040204" pitchFamily="34" charset="-120"/>
+            </a:endParaRPr>
+          </a:p>
+          <a:p>
+            <a:pPr algn="just">
+              <a:lnSpc>
+                <a:spcPts val="2400"/>
+              </a:lnSpc>
+              <a:spcBef>
+                <a:spcPts val="600"/>
+              </a:spcBef>
+            </a:pPr>
+            <a:r>
+              <a:rPr lang="zh-TW" altLang="en-US" sz="1600" b="1" dirty="0">
+                <a:latin typeface="微軟正黑體" panose="020B0604030504040204" pitchFamily="34" charset="-120"/>
+                <a:ea typeface="微軟正黑體" panose="020B0604030504040204" pitchFamily="34" charset="-120"/>
+              </a:rPr>
+              <a:t>臺大計資中心暑期</a:t>
+            </a:r>
+            <a:r>
+              <a:rPr lang="en-US" altLang="zh-TW" sz="1600" b="1" dirty="0">
                 <a:latin typeface="微軟正黑體" panose="020B0604030504040204" pitchFamily="34" charset="-120"/>
                 <a:ea typeface="微軟正黑體" panose="020B0604030504040204" pitchFamily="34" charset="-120"/>
               </a:rPr>
               <a:t>Python</a:t>
             </a:r>
             <a:r>
+              <a:rPr lang="zh-TW" altLang="en-US" sz="1600" b="1" dirty="0">
+                <a:latin typeface="微軟正黑體" panose="020B0604030504040204" pitchFamily="34" charset="-120"/>
+                <a:ea typeface="微軟正黑體" panose="020B0604030504040204" pitchFamily="34" charset="-120"/>
+              </a:rPr>
+              <a:t>機器學習進修（</a:t>
+            </a:r>
+            <a:r>
+              <a:rPr lang="en-US" altLang="zh-TW" sz="1600" b="1" dirty="0">
+                <a:latin typeface="微軟正黑體" panose="020B0604030504040204" pitchFamily="34" charset="-120"/>
+                <a:ea typeface="微軟正黑體" panose="020B0604030504040204" pitchFamily="34" charset="-120"/>
+              </a:rPr>
+              <a:t>2021/6</a:t>
+            </a:r>
+            <a:r>
+              <a:rPr lang="zh-TW" altLang="en-US" sz="1600" b="1" dirty="0">
+                <a:latin typeface="微軟正黑體" panose="020B0604030504040204" pitchFamily="34" charset="-120"/>
+                <a:ea typeface="微軟正黑體" panose="020B0604030504040204" pitchFamily="34" charset="-120"/>
+              </a:rPr>
+              <a:t>～</a:t>
+            </a:r>
+            <a:r>
+              <a:rPr lang="en-US" altLang="zh-TW" sz="1600" b="1" dirty="0">
+                <a:latin typeface="微軟正黑體" panose="020B0604030504040204" pitchFamily="34" charset="-120"/>
+                <a:ea typeface="微軟正黑體" panose="020B0604030504040204" pitchFamily="34" charset="-120"/>
+              </a:rPr>
+              <a:t>2021/8</a:t>
+            </a:r>
+            <a:r>
+              <a:rPr lang="zh-TW" altLang="en-US" sz="1600" b="1" dirty="0">
+                <a:latin typeface="微軟正黑體" panose="020B0604030504040204" pitchFamily="34" charset="-120"/>
+                <a:ea typeface="微軟正黑體" panose="020B0604030504040204" pitchFamily="34" charset="-120"/>
+              </a:rPr>
+              <a:t>，</a:t>
+            </a:r>
+            <a:r>
+              <a:rPr lang="en-US" altLang="zh-TW" sz="1600" b="1" dirty="0">
+                <a:latin typeface="微軟正黑體" panose="020B0604030504040204" pitchFamily="34" charset="-120"/>
+                <a:ea typeface="微軟正黑體" panose="020B0604030504040204" pitchFamily="34" charset="-120"/>
+              </a:rPr>
+              <a:t>30</a:t>
+            </a:r>
+            <a:r>
+              <a:rPr lang="zh-TW" altLang="en-US" sz="1600" b="1" dirty="0">
+                <a:latin typeface="微軟正黑體" panose="020B0604030504040204" pitchFamily="34" charset="-120"/>
+                <a:ea typeface="微軟正黑體" panose="020B0604030504040204" pitchFamily="34" charset="-120"/>
+              </a:rPr>
+              <a:t>小時）</a:t>
+            </a:r>
+            <a:endParaRPr lang="en-US" altLang="zh-TW" sz="1600" b="1" dirty="0">
+              <a:latin typeface="微軟正黑體" panose="020B0604030504040204" pitchFamily="34" charset="-120"/>
+              <a:ea typeface="微軟正黑體" panose="020B0604030504040204" pitchFamily="34" charset="-120"/>
+            </a:endParaRPr>
+          </a:p>
+          <a:p>
+            <a:pPr marL="171450" indent="-171450" algn="just">
+              <a:lnSpc>
+                <a:spcPts val="2400"/>
+              </a:lnSpc>
+              <a:buFont typeface="Arial" panose="020B0604020202020204" pitchFamily="34" charset="0"/>
+              <a:buChar char="•"/>
+            </a:pPr>
+            <a:r>
               <a:rPr lang="zh-TW" altLang="en-US" sz="1200" b="1" dirty="0">
-                <a:solidFill>
-                  <a:schemeClr val="tx1">
-                    <a:lumMod val="65000"/>
-                    <a:lumOff val="35000"/>
-                  </a:schemeClr>
-                </a:solidFill>
-                <a:latin typeface="微軟正黑體" panose="020B0604030504040204" pitchFamily="34" charset="-120"/>
-                <a:ea typeface="微軟正黑體" panose="020B0604030504040204" pitchFamily="34" charset="-120"/>
-              </a:rPr>
-              <a:t>、報名臺大計資中心開設的暑期</a:t>
+                <a:latin typeface="微軟正黑體" panose="020B0604030504040204" pitchFamily="34" charset="-120"/>
+                <a:ea typeface="微軟正黑體" panose="020B0604030504040204" pitchFamily="34" charset="-120"/>
+              </a:rPr>
+              <a:t>學習機器學習與人工智慧的基本概念與數學基礎，使用</a:t>
+            </a:r>
+            <a:r>
+              <a:rPr lang="en-US" altLang="zh-TW" sz="1200" b="1" dirty="0" err="1">
+                <a:latin typeface="微軟正黑體" panose="020B0604030504040204" pitchFamily="34" charset="-120"/>
+                <a:ea typeface="微軟正黑體" panose="020B0604030504040204" pitchFamily="34" charset="-120"/>
+              </a:rPr>
+              <a:t>sklearn</a:t>
+            </a:r>
+            <a:r>
+              <a:rPr lang="zh-TW" altLang="en-US" sz="1200" b="1" dirty="0">
+                <a:latin typeface="微軟正黑體" panose="020B0604030504040204" pitchFamily="34" charset="-120"/>
+                <a:ea typeface="微軟正黑體" panose="020B0604030504040204" pitchFamily="34" charset="-120"/>
+              </a:rPr>
+              <a:t>、</a:t>
+            </a:r>
+            <a:r>
+              <a:rPr lang="en-US" altLang="zh-TW" sz="1200" b="1" dirty="0" err="1">
+                <a:latin typeface="微軟正黑體" panose="020B0604030504040204" pitchFamily="34" charset="-120"/>
+                <a:ea typeface="微軟正黑體" panose="020B0604030504040204" pitchFamily="34" charset="-120"/>
+              </a:rPr>
+              <a:t>numpy</a:t>
+            </a:r>
+            <a:r>
+              <a:rPr lang="zh-TW" altLang="en-US" sz="1200" b="1" dirty="0">
+                <a:latin typeface="微軟正黑體" panose="020B0604030504040204" pitchFamily="34" charset="-120"/>
+                <a:ea typeface="微軟正黑體" panose="020B0604030504040204" pitchFamily="34" charset="-120"/>
+              </a:rPr>
+              <a:t>、</a:t>
             </a:r>
             <a:r>
               <a:rPr lang="en-US" altLang="zh-TW" sz="1200" b="1" dirty="0">
-                <a:solidFill>
-                  <a:schemeClr val="tx1">
-                    <a:lumMod val="65000"/>
-                    <a:lumOff val="35000"/>
-                  </a:schemeClr>
-                </a:solidFill>
+                <a:latin typeface="微軟正黑體" panose="020B0604030504040204" pitchFamily="34" charset="-120"/>
+                <a:ea typeface="微軟正黑體" panose="020B0604030504040204" pitchFamily="34" charset="-120"/>
+              </a:rPr>
+              <a:t>pandas</a:t>
+            </a:r>
+            <a:r>
+              <a:rPr lang="zh-TW" altLang="en-US" sz="1200" b="1" dirty="0">
+                <a:latin typeface="微軟正黑體" panose="020B0604030504040204" pitchFamily="34" charset="-120"/>
+                <a:ea typeface="微軟正黑體" panose="020B0604030504040204" pitchFamily="34" charset="-120"/>
+              </a:rPr>
+              <a:t>、</a:t>
+            </a:r>
+            <a:r>
+              <a:rPr lang="en-US" altLang="zh-TW" sz="1200" b="1" dirty="0">
+                <a:latin typeface="微軟正黑體" panose="020B0604030504040204" pitchFamily="34" charset="-120"/>
+                <a:ea typeface="微軟正黑體" panose="020B0604030504040204" pitchFamily="34" charset="-120"/>
+              </a:rPr>
+              <a:t>matplotlib</a:t>
+            </a:r>
+            <a:r>
+              <a:rPr lang="zh-TW" altLang="en-US" sz="1200" b="1" dirty="0">
+                <a:latin typeface="微軟正黑體" panose="020B0604030504040204" pitchFamily="34" charset="-120"/>
+                <a:ea typeface="微軟正黑體" panose="020B0604030504040204" pitchFamily="34" charset="-120"/>
+              </a:rPr>
+              <a:t>與</a:t>
+            </a:r>
+            <a:r>
+              <a:rPr lang="en-US" altLang="zh-TW" sz="1200" b="1" dirty="0">
+                <a:latin typeface="微軟正黑體" panose="020B0604030504040204" pitchFamily="34" charset="-120"/>
+                <a:ea typeface="微軟正黑體" panose="020B0604030504040204" pitchFamily="34" charset="-120"/>
+              </a:rPr>
+              <a:t>Spider</a:t>
+            </a:r>
+            <a:r>
+              <a:rPr lang="zh-TW" altLang="en-US" sz="1200" b="1" dirty="0">
+                <a:latin typeface="微軟正黑體" panose="020B0604030504040204" pitchFamily="34" charset="-120"/>
+                <a:ea typeface="微軟正黑體" panose="020B0604030504040204" pitchFamily="34" charset="-120"/>
+              </a:rPr>
+              <a:t>實作各種</a:t>
+            </a:r>
+            <a:r>
+              <a:rPr lang="en-US" altLang="zh-TW" sz="1200" b="1" dirty="0">
                 <a:latin typeface="微軟正黑體" panose="020B0604030504040204" pitchFamily="34" charset="-120"/>
                 <a:ea typeface="微軟正黑體" panose="020B0604030504040204" pitchFamily="34" charset="-120"/>
               </a:rPr>
@@ -5285,50 +5497,12 @@
             </a:r>
             <a:r>
               <a:rPr lang="zh-TW" altLang="en-US" sz="1200" b="1" dirty="0">
-                <a:solidFill>
-                  <a:schemeClr val="tx1">
-                    <a:lumMod val="65000"/>
-                    <a:lumOff val="35000"/>
-                  </a:schemeClr>
-                </a:solidFill>
-                <a:latin typeface="微軟正黑體" panose="020B0604030504040204" pitchFamily="34" charset="-120"/>
-                <a:ea typeface="微軟正黑體" panose="020B0604030504040204" pitchFamily="34" charset="-120"/>
-              </a:rPr>
-              <a:t>機器學習、分別於大三下與大四上選修學校開設的前端及</a:t>
-            </a:r>
-            <a:r>
-              <a:rPr lang="en-US" altLang="zh-TW" sz="1200" b="1" dirty="0">
-                <a:solidFill>
-                  <a:schemeClr val="tx1">
-                    <a:lumMod val="65000"/>
-                    <a:lumOff val="35000"/>
-                  </a:schemeClr>
-                </a:solidFill>
-                <a:latin typeface="微軟正黑體" panose="020B0604030504040204" pitchFamily="34" charset="-120"/>
-                <a:ea typeface="微軟正黑體" panose="020B0604030504040204" pitchFamily="34" charset="-120"/>
-              </a:rPr>
-              <a:t>MIT AI2</a:t>
-            </a:r>
-            <a:r>
-              <a:rPr lang="zh-TW" altLang="en-US" sz="1200" b="1" dirty="0">
-                <a:solidFill>
-                  <a:schemeClr val="tx1">
-                    <a:lumMod val="65000"/>
-                    <a:lumOff val="35000"/>
-                  </a:schemeClr>
-                </a:solidFill>
-                <a:latin typeface="微軟正黑體" panose="020B0604030504040204" pitchFamily="34" charset="-120"/>
-                <a:ea typeface="微軟正黑體" panose="020B0604030504040204" pitchFamily="34" charset="-120"/>
-              </a:rPr>
-              <a:t>雲端程式設計。其中大四上修的雲端程式設計，因為成績優異加上毛遂自薦，於大四下擔任同一堂課的課程助教，有幸在大學最後一學期，體會手把手帶領新手學習新技術的過程，累積大量幫忙除錯的經驗，與上課教授討論課程安排，加上教授知道我想進入資訊業的夢想，還經常大方分享業界經驗。如今回想起來，仍非常感謝教授的諄諄教誨。</a:t>
+                <a:latin typeface="微軟正黑體" panose="020B0604030504040204" pitchFamily="34" charset="-120"/>
+                <a:ea typeface="微軟正黑體" panose="020B0604030504040204" pitchFamily="34" charset="-120"/>
+              </a:rPr>
+              <a:t>機器學習模型訓練</a:t>
             </a:r>
             <a:endParaRPr lang="en-US" altLang="zh-TW" sz="1200" b="1" dirty="0">
-              <a:solidFill>
-                <a:schemeClr val="tx1">
-                  <a:lumMod val="65000"/>
-                  <a:lumOff val="35000"/>
-                </a:schemeClr>
-              </a:solidFill>
               <a:latin typeface="微軟正黑體" panose="020B0604030504040204" pitchFamily="34" charset="-120"/>
               <a:ea typeface="微軟正黑體" panose="020B0604030504040204" pitchFamily="34" charset="-120"/>
             </a:endParaRPr>
@@ -5462,7 +5636,7 @@
           </a:bodyPr>
           <a:lstStyle/>
           <a:p>
-            <a:pPr>
+            <a:pPr algn="just">
               <a:lnSpc>
                 <a:spcPts val="2400"/>
               </a:lnSpc>
@@ -5480,7 +5654,7 @@
             </a:endParaRPr>
           </a:p>
           <a:p>
-            <a:pPr>
+            <a:pPr algn="just">
               <a:lnSpc>
                 <a:spcPts val="2400"/>
               </a:lnSpc>
@@ -5597,7 +5771,7 @@
           </a:bodyPr>
           <a:lstStyle/>
           <a:p>
-            <a:pPr>
+            <a:pPr algn="just">
               <a:lnSpc>
                 <a:spcPts val="2400"/>
               </a:lnSpc>
@@ -5615,7 +5789,7 @@
             </a:endParaRPr>
           </a:p>
           <a:p>
-            <a:pPr>
+            <a:pPr algn="just">
               <a:lnSpc>
                 <a:spcPts val="2400"/>
               </a:lnSpc>
@@ -5660,7 +5834,7 @@
                 <a:latin typeface="微軟正黑體" panose="020B0604030504040204" pitchFamily="34" charset="-120"/>
                 <a:ea typeface="微軟正黑體" panose="020B0604030504040204" pitchFamily="34" charset="-120"/>
               </a:rPr>
-              <a:t>、資料庫、</a:t>
+              <a:t>、</a:t>
             </a:r>
             <a:r>
               <a:rPr lang="en-US" altLang="zh-TW" sz="1200" b="1" dirty="0">
@@ -5673,7 +5847,7 @@
                 <a:latin typeface="微軟正黑體" panose="020B0604030504040204" pitchFamily="34" charset="-120"/>
                 <a:ea typeface="微軟正黑體" panose="020B0604030504040204" pitchFamily="34" charset="-120"/>
               </a:rPr>
-              <a:t>JDBC</a:t>
+              <a:t>SQL</a:t>
             </a:r>
             <a:r>
               <a:rPr lang="zh-TW" altLang="en-US" sz="1200" b="1" dirty="0">
@@ -5686,7 +5860,7 @@
                 <a:latin typeface="微軟正黑體" panose="020B0604030504040204" pitchFamily="34" charset="-120"/>
                 <a:ea typeface="微軟正黑體" panose="020B0604030504040204" pitchFamily="34" charset="-120"/>
               </a:rPr>
-              <a:t>、</a:t>
+              <a:t> </a:t>
             </a:r>
             <a:r>
               <a:rPr lang="en-US" altLang="zh-TW" sz="1200" b="1" dirty="0">
@@ -5699,7 +5873,7 @@
                 <a:latin typeface="微軟正黑體" panose="020B0604030504040204" pitchFamily="34" charset="-120"/>
                 <a:ea typeface="微軟正黑體" panose="020B0604030504040204" pitchFamily="34" charset="-120"/>
               </a:rPr>
-              <a:t>Servlet</a:t>
+              <a:t>Server</a:t>
             </a:r>
             <a:r>
               <a:rPr lang="zh-TW" altLang="en-US" sz="1200" b="1" dirty="0">
@@ -5725,7 +5899,7 @@
                 <a:latin typeface="微軟正黑體" panose="020B0604030504040204" pitchFamily="34" charset="-120"/>
                 <a:ea typeface="微軟正黑體" panose="020B0604030504040204" pitchFamily="34" charset="-120"/>
               </a:rPr>
-              <a:t>JSP</a:t>
+              <a:t>JDBC</a:t>
             </a:r>
             <a:r>
               <a:rPr lang="zh-TW" altLang="en-US" sz="1200" b="1" dirty="0">
@@ -5738,11 +5912,63 @@
                 <a:latin typeface="微軟正黑體" panose="020B0604030504040204" pitchFamily="34" charset="-120"/>
                 <a:ea typeface="微軟正黑體" panose="020B0604030504040204" pitchFamily="34" charset="-120"/>
               </a:rPr>
+              <a:t>、</a:t>
+            </a:r>
+            <a:r>
+              <a:rPr lang="en-US" altLang="zh-TW" sz="1200" b="1" dirty="0">
+                <a:solidFill>
+                  <a:schemeClr val="tx1">
+                    <a:lumMod val="65000"/>
+                    <a:lumOff val="35000"/>
+                  </a:schemeClr>
+                </a:solidFill>
+                <a:latin typeface="微軟正黑體" panose="020B0604030504040204" pitchFamily="34" charset="-120"/>
+                <a:ea typeface="微軟正黑體" panose="020B0604030504040204" pitchFamily="34" charset="-120"/>
+              </a:rPr>
+              <a:t>Servlet</a:t>
+            </a:r>
+            <a:r>
+              <a:rPr lang="zh-TW" altLang="en-US" sz="1200" b="1" dirty="0">
+                <a:solidFill>
+                  <a:schemeClr val="tx1">
+                    <a:lumMod val="65000"/>
+                    <a:lumOff val="35000"/>
+                  </a:schemeClr>
+                </a:solidFill>
+                <a:latin typeface="微軟正黑體" panose="020B0604030504040204" pitchFamily="34" charset="-120"/>
+                <a:ea typeface="微軟正黑體" panose="020B0604030504040204" pitchFamily="34" charset="-120"/>
+              </a:rPr>
+              <a:t>、</a:t>
+            </a:r>
+            <a:r>
+              <a:rPr lang="en-US" altLang="zh-TW" sz="1200" b="1" dirty="0">
+                <a:solidFill>
+                  <a:schemeClr val="tx1">
+                    <a:lumMod val="65000"/>
+                    <a:lumOff val="35000"/>
+                  </a:schemeClr>
+                </a:solidFill>
+                <a:latin typeface="微軟正黑體" panose="020B0604030504040204" pitchFamily="34" charset="-120"/>
+                <a:ea typeface="微軟正黑體" panose="020B0604030504040204" pitchFamily="34" charset="-120"/>
+              </a:rPr>
+              <a:t>JSP</a:t>
+            </a:r>
+            <a:r>
+              <a:rPr lang="zh-TW" altLang="en-US" sz="1200" b="1" dirty="0">
+                <a:solidFill>
+                  <a:schemeClr val="tx1">
+                    <a:lumMod val="65000"/>
+                    <a:lumOff val="35000"/>
+                  </a:schemeClr>
+                </a:solidFill>
+                <a:latin typeface="微軟正黑體" panose="020B0604030504040204" pitchFamily="34" charset="-120"/>
+                <a:ea typeface="微軟正黑體" panose="020B0604030504040204" pitchFamily="34" charset="-120"/>
+              </a:rPr>
               <a:t>等技術時，瞬間回到大三第一次學程式時，每天廢寢忘食只為找出寫錯的那一兩個字母，雖然辛苦卻依舊執著，在接觸個兩三天駕輕就熟後，那股知道自己又進步了的成就感便是最好的回報。</a:t>
             </a:r>
           </a:p>
           <a:p>
-            <a:pPr>
+            <a:pPr algn="just">
               <a:lnSpc>
                 <a:spcPts val="2400"/>
               </a:lnSpc>
@@ -5936,8 +6162,8 @@
         </p:nvSpPr>
         <p:spPr>
           <a:xfrm>
-            <a:off x="545170" y="6801216"/>
-            <a:ext cx="2281476" cy="382943"/>
+            <a:off x="545169" y="6804670"/>
+            <a:ext cx="6514343" cy="1134751"/>
           </a:xfrm>
           <a:prstGeom prst="rect">
             <a:avLst/>
@@ -5965,7 +6191,40 @@
               </a:rPr>
               <a:t>自學力</a:t>
             </a:r>
-            <a:endParaRPr lang="en-US" altLang="zh-TW" sz="1050" dirty="0">
+            <a:endParaRPr lang="en-US" altLang="zh-TW" sz="1600" b="1" dirty="0">
+              <a:latin typeface="微軟正黑體" panose="020B0604030504040204" pitchFamily="34" charset="-120"/>
+              <a:ea typeface="微軟正黑體" panose="020B0604030504040204" pitchFamily="34" charset="-120"/>
+            </a:endParaRPr>
+          </a:p>
+          <a:p>
+            <a:pPr algn="just">
+              <a:lnSpc>
+                <a:spcPts val="2400"/>
+              </a:lnSpc>
+              <a:spcBef>
+                <a:spcPts val="1200"/>
+              </a:spcBef>
+            </a:pPr>
+            <a:r>
+              <a:rPr lang="zh-TW" altLang="en-US" sz="1200" b="1" dirty="0">
+                <a:solidFill>
+                  <a:schemeClr val="tx1">
+                    <a:lumMod val="65000"/>
+                    <a:lumOff val="35000"/>
+                  </a:schemeClr>
+                </a:solidFill>
+                <a:latin typeface="微軟正黑體" panose="020B0604030504040204" pitchFamily="34" charset="-120"/>
+                <a:ea typeface="微軟正黑體" panose="020B0604030504040204" pitchFamily="34" charset="-120"/>
+              </a:rPr>
+              <a:t>遇到陌生的技術範疇，會積極請教他人並善用中英文網路資源，將得到的知識配合過去所學，融會貫通後學以致用，在短時間內將沒碰過的技術寫出質量俱佳的成品。</a:t>
+            </a:r>
+            <a:endParaRPr lang="en-US" altLang="zh-TW" sz="1200" b="1" dirty="0">
+              <a:solidFill>
+                <a:schemeClr val="tx1">
+                  <a:lumMod val="65000"/>
+                  <a:lumOff val="35000"/>
+                </a:schemeClr>
+              </a:solidFill>
               <a:latin typeface="微軟正黑體" panose="020B0604030504040204" pitchFamily="34" charset="-120"/>
               <a:ea typeface="微軟正黑體" panose="020B0604030504040204" pitchFamily="34" charset="-120"/>
             </a:endParaRPr>
@@ -6003,7 +6262,7 @@
           </a:bodyPr>
           <a:lstStyle/>
           <a:p>
-            <a:pPr>
+            <a:pPr algn="just">
               <a:lnSpc>
                 <a:spcPts val="2400"/>
               </a:lnSpc>
@@ -6021,7 +6280,7 @@
             </a:endParaRPr>
           </a:p>
           <a:p>
-            <a:pPr>
+            <a:pPr algn="just">
               <a:lnSpc>
                 <a:spcPts val="2400"/>
               </a:lnSpc>

--- a/面試資料/履歷自傳.pptx
+++ b/面試資料/履歷自傳.pptx
@@ -209,7 +209,7 @@
           <a:p>
             <a:fld id="{E9ADEB47-42BB-439B-995F-027CDFB6F534}" type="datetimeFigureOut">
               <a:rPr lang="zh-TW" altLang="en-US" smtClean="0"/>
-              <a:t>2023/3/16</a:t>
+              <a:t>2023/3/17</a:t>
             </a:fld>
             <a:endParaRPr lang="zh-TW" altLang="en-US"/>
           </a:p>
@@ -801,7 +801,7 @@
           <a:p>
             <a:fld id="{C85EB870-0884-4E4C-AAD6-AB08C89102B6}" type="datetimeFigureOut">
               <a:rPr lang="zh-TW" altLang="en-US" smtClean="0"/>
-              <a:t>2023/3/16</a:t>
+              <a:t>2023/3/17</a:t>
             </a:fld>
             <a:endParaRPr lang="zh-TW" altLang="en-US"/>
           </a:p>
@@ -999,7 +999,7 @@
           <a:p>
             <a:fld id="{C85EB870-0884-4E4C-AAD6-AB08C89102B6}" type="datetimeFigureOut">
               <a:rPr lang="zh-TW" altLang="en-US" smtClean="0"/>
-              <a:t>2023/3/16</a:t>
+              <a:t>2023/3/17</a:t>
             </a:fld>
             <a:endParaRPr lang="zh-TW" altLang="en-US"/>
           </a:p>
@@ -1207,7 +1207,7 @@
           <a:p>
             <a:fld id="{C85EB870-0884-4E4C-AAD6-AB08C89102B6}" type="datetimeFigureOut">
               <a:rPr lang="zh-TW" altLang="en-US" smtClean="0"/>
-              <a:t>2023/3/16</a:t>
+              <a:t>2023/3/17</a:t>
             </a:fld>
             <a:endParaRPr lang="zh-TW" altLang="en-US"/>
           </a:p>
@@ -1405,7 +1405,7 @@
           <a:p>
             <a:fld id="{C85EB870-0884-4E4C-AAD6-AB08C89102B6}" type="datetimeFigureOut">
               <a:rPr lang="zh-TW" altLang="en-US" smtClean="0"/>
-              <a:t>2023/3/16</a:t>
+              <a:t>2023/3/17</a:t>
             </a:fld>
             <a:endParaRPr lang="zh-TW" altLang="en-US"/>
           </a:p>
@@ -1680,7 +1680,7 @@
           <a:p>
             <a:fld id="{C85EB870-0884-4E4C-AAD6-AB08C89102B6}" type="datetimeFigureOut">
               <a:rPr lang="zh-TW" altLang="en-US" smtClean="0"/>
-              <a:t>2023/3/16</a:t>
+              <a:t>2023/3/17</a:t>
             </a:fld>
             <a:endParaRPr lang="zh-TW" altLang="en-US"/>
           </a:p>
@@ -1945,7 +1945,7 @@
           <a:p>
             <a:fld id="{C85EB870-0884-4E4C-AAD6-AB08C89102B6}" type="datetimeFigureOut">
               <a:rPr lang="zh-TW" altLang="en-US" smtClean="0"/>
-              <a:t>2023/3/16</a:t>
+              <a:t>2023/3/17</a:t>
             </a:fld>
             <a:endParaRPr lang="zh-TW" altLang="en-US"/>
           </a:p>
@@ -2357,7 +2357,7 @@
           <a:p>
             <a:fld id="{C85EB870-0884-4E4C-AAD6-AB08C89102B6}" type="datetimeFigureOut">
               <a:rPr lang="zh-TW" altLang="en-US" smtClean="0"/>
-              <a:t>2023/3/16</a:t>
+              <a:t>2023/3/17</a:t>
             </a:fld>
             <a:endParaRPr lang="zh-TW" altLang="en-US"/>
           </a:p>
@@ -2498,7 +2498,7 @@
           <a:p>
             <a:fld id="{C85EB870-0884-4E4C-AAD6-AB08C89102B6}" type="datetimeFigureOut">
               <a:rPr lang="zh-TW" altLang="en-US" smtClean="0"/>
-              <a:t>2023/3/16</a:t>
+              <a:t>2023/3/17</a:t>
             </a:fld>
             <a:endParaRPr lang="zh-TW" altLang="en-US"/>
           </a:p>
@@ -2611,7 +2611,7 @@
           <a:p>
             <a:fld id="{C85EB870-0884-4E4C-AAD6-AB08C89102B6}" type="datetimeFigureOut">
               <a:rPr lang="zh-TW" altLang="en-US" smtClean="0"/>
-              <a:t>2023/3/16</a:t>
+              <a:t>2023/3/17</a:t>
             </a:fld>
             <a:endParaRPr lang="zh-TW" altLang="en-US"/>
           </a:p>
@@ -2922,7 +2922,7 @@
           <a:p>
             <a:fld id="{C85EB870-0884-4E4C-AAD6-AB08C89102B6}" type="datetimeFigureOut">
               <a:rPr lang="zh-TW" altLang="en-US" smtClean="0"/>
-              <a:t>2023/3/16</a:t>
+              <a:t>2023/3/17</a:t>
             </a:fld>
             <a:endParaRPr lang="zh-TW" altLang="en-US"/>
           </a:p>
@@ -3210,7 +3210,7 @@
           <a:p>
             <a:fld id="{C85EB870-0884-4E4C-AAD6-AB08C89102B6}" type="datetimeFigureOut">
               <a:rPr lang="zh-TW" altLang="en-US" smtClean="0"/>
-              <a:t>2023/3/16</a:t>
+              <a:t>2023/3/17</a:t>
             </a:fld>
             <a:endParaRPr lang="zh-TW" altLang="en-US"/>
           </a:p>
@@ -3451,7 +3451,7 @@
           <a:p>
             <a:fld id="{C85EB870-0884-4E4C-AAD6-AB08C89102B6}" type="datetimeFigureOut">
               <a:rPr lang="zh-TW" altLang="en-US" smtClean="0"/>
-              <a:t>2023/3/16</a:t>
+              <a:t>2023/3/17</a:t>
             </a:fld>
             <a:endParaRPr lang="zh-TW" altLang="en-US"/>
           </a:p>
